--- a/Clase 2/clase2.pptx
+++ b/Clase 2/clase2.pptx
@@ -162,10 +162,6 @@
 </p:presentation>
 </file>
 
-<file path=ppt/revisionInfo.xml><?xml version="1.0" encoding="utf-8"?>
-<p1510:revInfo xmlns:a="http://schemas.openxmlformats.org/drawingml/2006/main" xmlns:r="http://schemas.openxmlformats.org/officeDocument/2006/relationships" xmlns:p1510="http://schemas.microsoft.com/office/powerpoint/2015/10/main"/>
-</file>
-
 <file path=ppt/handoutMasters/handoutMaster1.xml><?xml version="1.0" encoding="utf-8"?>
 <p:handoutMaster xmlns:a="http://schemas.openxmlformats.org/drawingml/2006/main" xmlns:r="http://schemas.openxmlformats.org/officeDocument/2006/relationships" xmlns:p="http://schemas.openxmlformats.org/presentationml/2006/main">
   <p:cSld>
@@ -248,7 +244,7 @@
           <a:p>
             <a:fld id="{56EFBD41-8F30-499F-8836-9A8B592EDCF2}" type="datetimeFigureOut">
               <a:rPr lang="es-CR" smtClean="0"/>
-              <a:t>30/1/2018</a:t>
+              <a:t>22/5/2019</a:t>
             </a:fld>
             <a:endParaRPr lang="es-CR"/>
           </a:p>
@@ -413,7 +409,7 @@
           <a:p>
             <a:fld id="{701C4BE3-AD0D-43FB-97B9-68E31F3243AC}" type="datetimeFigureOut">
               <a:rPr lang="es-CR" smtClean="0"/>
-              <a:t>30/1/2018</a:t>
+              <a:t>22/5/2019</a:t>
             </a:fld>
             <a:endParaRPr lang="es-CR"/>
           </a:p>
@@ -823,7 +819,7 @@
           <a:p>
             <a:fld id="{EABE8AA6-12A8-4B45-AB18-A83908A3A2E6}" type="datetimeFigureOut">
               <a:rPr lang="es-ES" smtClean="0"/>
-              <a:t>30/01/2018</a:t>
+              <a:t>22/05/2019</a:t>
             </a:fld>
             <a:endParaRPr lang="es-ES"/>
           </a:p>
@@ -993,7 +989,7 @@
           <a:p>
             <a:fld id="{EABE8AA6-12A8-4B45-AB18-A83908A3A2E6}" type="datetimeFigureOut">
               <a:rPr lang="es-ES" smtClean="0"/>
-              <a:t>30/01/2018</a:t>
+              <a:t>22/05/2019</a:t>
             </a:fld>
             <a:endParaRPr lang="es-ES"/>
           </a:p>
@@ -1173,7 +1169,7 @@
           <a:p>
             <a:fld id="{EABE8AA6-12A8-4B45-AB18-A83908A3A2E6}" type="datetimeFigureOut">
               <a:rPr lang="es-ES" smtClean="0"/>
-              <a:t>30/01/2018</a:t>
+              <a:t>22/05/2019</a:t>
             </a:fld>
             <a:endParaRPr lang="es-ES"/>
           </a:p>
@@ -1376,7 +1372,7 @@
           <a:p>
             <a:fld id="{EABE8AA6-12A8-4B45-AB18-A83908A3A2E6}" type="datetimeFigureOut">
               <a:rPr lang="es-ES" smtClean="0"/>
-              <a:t>30/01/2018</a:t>
+              <a:t>22/05/2019</a:t>
             </a:fld>
             <a:endParaRPr lang="es-ES"/>
           </a:p>
@@ -1546,7 +1542,7 @@
           <a:p>
             <a:fld id="{EABE8AA6-12A8-4B45-AB18-A83908A3A2E6}" type="datetimeFigureOut">
               <a:rPr lang="es-ES" smtClean="0"/>
-              <a:t>30/01/2018</a:t>
+              <a:t>22/05/2019</a:t>
             </a:fld>
             <a:endParaRPr lang="es-ES"/>
           </a:p>
@@ -1797,7 +1793,7 @@
           <a:p>
             <a:fld id="{EABE8AA6-12A8-4B45-AB18-A83908A3A2E6}" type="datetimeFigureOut">
               <a:rPr lang="es-ES" smtClean="0"/>
-              <a:t>30/01/2018</a:t>
+              <a:t>22/05/2019</a:t>
             </a:fld>
             <a:endParaRPr lang="es-ES"/>
           </a:p>
@@ -2029,7 +2025,7 @@
           <a:p>
             <a:fld id="{EABE8AA6-12A8-4B45-AB18-A83908A3A2E6}" type="datetimeFigureOut">
               <a:rPr lang="es-ES" smtClean="0"/>
-              <a:t>30/01/2018</a:t>
+              <a:t>22/05/2019</a:t>
             </a:fld>
             <a:endParaRPr lang="es-ES"/>
           </a:p>
@@ -2376,7 +2372,7 @@
           <a:p>
             <a:fld id="{EABE8AA6-12A8-4B45-AB18-A83908A3A2E6}" type="datetimeFigureOut">
               <a:rPr lang="es-ES" smtClean="0"/>
-              <a:t>30/01/2018</a:t>
+              <a:t>22/05/2019</a:t>
             </a:fld>
             <a:endParaRPr lang="es-ES"/>
           </a:p>
@@ -2494,7 +2490,7 @@
           <a:p>
             <a:fld id="{73D7E00A-486F-4252-8B1D-E32645521F49}" type="datetime1">
               <a:rPr lang="en-US" smtClean="0"/>
-              <a:t>1/30/2018</a:t>
+              <a:t>5/22/2019</a:t>
             </a:fld>
             <a:endParaRPr lang="en-US"/>
           </a:p>
@@ -2612,7 +2608,7 @@
           <a:p>
             <a:fld id="{EABE8AA6-12A8-4B45-AB18-A83908A3A2E6}" type="datetimeFigureOut">
               <a:rPr lang="es-ES" smtClean="0"/>
-              <a:t>30/01/2018</a:t>
+              <a:t>22/05/2019</a:t>
             </a:fld>
             <a:endParaRPr lang="es-ES"/>
           </a:p>
@@ -2896,7 +2892,7 @@
           <a:p>
             <a:fld id="{EABE8AA6-12A8-4B45-AB18-A83908A3A2E6}" type="datetimeFigureOut">
               <a:rPr lang="es-ES" smtClean="0"/>
-              <a:t>30/01/2018</a:t>
+              <a:t>22/05/2019</a:t>
             </a:fld>
             <a:endParaRPr lang="es-ES"/>
           </a:p>
@@ -3066,7 +3062,7 @@
           <a:p>
             <a:fld id="{EABE8AA6-12A8-4B45-AB18-A83908A3A2E6}" type="datetimeFigureOut">
               <a:rPr lang="es-ES" smtClean="0"/>
-              <a:t>30/01/2018</a:t>
+              <a:t>22/05/2019</a:t>
             </a:fld>
             <a:endParaRPr lang="es-ES"/>
           </a:p>
@@ -3330,7 +3326,7 @@
           <a:p>
             <a:fld id="{EABE8AA6-12A8-4B45-AB18-A83908A3A2E6}" type="datetimeFigureOut">
               <a:rPr lang="es-ES" smtClean="0"/>
-              <a:t>30/01/2018</a:t>
+              <a:t>22/05/2019</a:t>
             </a:fld>
             <a:endParaRPr lang="es-ES"/>
           </a:p>
@@ -3500,7 +3496,7 @@
           <a:p>
             <a:fld id="{EABE8AA6-12A8-4B45-AB18-A83908A3A2E6}" type="datetimeFigureOut">
               <a:rPr lang="es-ES" smtClean="0"/>
-              <a:t>30/01/2018</a:t>
+              <a:t>22/05/2019</a:t>
             </a:fld>
             <a:endParaRPr lang="es-ES"/>
           </a:p>
@@ -3680,7 +3676,7 @@
           <a:p>
             <a:fld id="{EABE8AA6-12A8-4B45-AB18-A83908A3A2E6}" type="datetimeFigureOut">
               <a:rPr lang="es-ES" smtClean="0"/>
-              <a:t>30/01/2018</a:t>
+              <a:t>22/05/2019</a:t>
             </a:fld>
             <a:endParaRPr lang="es-ES"/>
           </a:p>
@@ -3872,7 +3868,7 @@
           <a:p>
             <a:fld id="{EABE8AA6-12A8-4B45-AB18-A83908A3A2E6}" type="datetimeFigureOut">
               <a:rPr lang="es-ES" smtClean="0"/>
-              <a:t>30/01/2018</a:t>
+              <a:t>22/05/2019</a:t>
             </a:fld>
             <a:endParaRPr lang="es-ES"/>
           </a:p>
@@ -4133,7 +4129,7 @@
           <a:p>
             <a:fld id="{EABE8AA6-12A8-4B45-AB18-A83908A3A2E6}" type="datetimeFigureOut">
               <a:rPr lang="es-ES" smtClean="0"/>
-              <a:t>30/01/2018</a:t>
+              <a:t>22/05/2019</a:t>
             </a:fld>
             <a:endParaRPr lang="es-ES"/>
           </a:p>
@@ -4524,7 +4520,7 @@
           <a:p>
             <a:fld id="{EABE8AA6-12A8-4B45-AB18-A83908A3A2E6}" type="datetimeFigureOut">
               <a:rPr lang="es-ES" smtClean="0"/>
-              <a:t>30/01/2018</a:t>
+              <a:t>22/05/2019</a:t>
             </a:fld>
             <a:endParaRPr lang="es-ES"/>
           </a:p>
@@ -4812,7 +4808,7 @@
           <a:p>
             <a:fld id="{EABE8AA6-12A8-4B45-AB18-A83908A3A2E6}" type="datetimeFigureOut">
               <a:rPr lang="es-ES" smtClean="0"/>
-              <a:t>30/01/2018</a:t>
+              <a:t>22/05/2019</a:t>
             </a:fld>
             <a:endParaRPr lang="es-ES"/>
           </a:p>
@@ -5235,7 +5231,7 @@
           <a:p>
             <a:fld id="{EABE8AA6-12A8-4B45-AB18-A83908A3A2E6}" type="datetimeFigureOut">
               <a:rPr lang="es-ES" smtClean="0"/>
-              <a:t>30/01/2018</a:t>
+              <a:t>22/05/2019</a:t>
             </a:fld>
             <a:endParaRPr lang="es-ES"/>
           </a:p>
@@ -5353,7 +5349,7 @@
           <a:p>
             <a:fld id="{73D7E00A-486F-4252-8B1D-E32645521F49}" type="datetime1">
               <a:rPr lang="en-US" smtClean="0"/>
-              <a:t>1/30/2018</a:t>
+              <a:t>5/22/2019</a:t>
             </a:fld>
             <a:endParaRPr lang="en-US"/>
           </a:p>
@@ -5448,7 +5444,7 @@
           <a:p>
             <a:fld id="{EABE8AA6-12A8-4B45-AB18-A83908A3A2E6}" type="datetimeFigureOut">
               <a:rPr lang="es-ES" smtClean="0"/>
-              <a:t>30/01/2018</a:t>
+              <a:t>22/05/2019</a:t>
             </a:fld>
             <a:endParaRPr lang="es-ES"/>
           </a:p>
@@ -5699,7 +5695,7 @@
           <a:p>
             <a:fld id="{EABE8AA6-12A8-4B45-AB18-A83908A3A2E6}" type="datetimeFigureOut">
               <a:rPr lang="es-ES" smtClean="0"/>
-              <a:t>30/01/2018</a:t>
+              <a:t>22/05/2019</a:t>
             </a:fld>
             <a:endParaRPr lang="es-ES"/>
           </a:p>
@@ -5976,7 +5972,7 @@
           <a:p>
             <a:fld id="{EABE8AA6-12A8-4B45-AB18-A83908A3A2E6}" type="datetimeFigureOut">
               <a:rPr lang="es-ES" smtClean="0"/>
-              <a:t>30/01/2018</a:t>
+              <a:t>22/05/2019</a:t>
             </a:fld>
             <a:endParaRPr lang="es-ES"/>
           </a:p>
@@ -6233,7 +6229,7 @@
           <a:p>
             <a:fld id="{EABE8AA6-12A8-4B45-AB18-A83908A3A2E6}" type="datetimeFigureOut">
               <a:rPr lang="es-ES" smtClean="0"/>
-              <a:t>30/01/2018</a:t>
+              <a:t>22/05/2019</a:t>
             </a:fld>
             <a:endParaRPr lang="es-ES"/>
           </a:p>
@@ -6403,7 +6399,7 @@
           <a:p>
             <a:fld id="{EABE8AA6-12A8-4B45-AB18-A83908A3A2E6}" type="datetimeFigureOut">
               <a:rPr lang="es-ES" smtClean="0"/>
-              <a:t>30/01/2018</a:t>
+              <a:t>22/05/2019</a:t>
             </a:fld>
             <a:endParaRPr lang="es-ES"/>
           </a:p>
@@ -6583,7 +6579,7 @@
           <a:p>
             <a:fld id="{EABE8AA6-12A8-4B45-AB18-A83908A3A2E6}" type="datetimeFigureOut">
               <a:rPr lang="es-ES" smtClean="0"/>
-              <a:t>30/01/2018</a:t>
+              <a:t>22/05/2019</a:t>
             </a:fld>
             <a:endParaRPr lang="es-ES"/>
           </a:p>
@@ -7123,7 +7119,7 @@
           <a:p>
             <a:fld id="{EABE8AA6-12A8-4B45-AB18-A83908A3A2E6}" type="datetimeFigureOut">
               <a:rPr lang="es-ES" smtClean="0"/>
-              <a:t>30/01/2018</a:t>
+              <a:t>22/05/2019</a:t>
             </a:fld>
             <a:endParaRPr lang="es-ES"/>
           </a:p>
@@ -7470,7 +7466,7 @@
           <a:p>
             <a:fld id="{EABE8AA6-12A8-4B45-AB18-A83908A3A2E6}" type="datetimeFigureOut">
               <a:rPr lang="es-ES" smtClean="0"/>
-              <a:t>30/01/2018</a:t>
+              <a:t>22/05/2019</a:t>
             </a:fld>
             <a:endParaRPr lang="es-ES"/>
           </a:p>
@@ -7588,7 +7584,7 @@
           <a:p>
             <a:fld id="{73D7E00A-486F-4252-8B1D-E32645521F49}" type="datetime1">
               <a:rPr lang="en-US" smtClean="0"/>
-              <a:t>1/30/2018</a:t>
+              <a:t>5/22/2019</a:t>
             </a:fld>
             <a:endParaRPr lang="en-US"/>
           </a:p>
@@ -8026,7 +8022,7 @@
           <a:p>
             <a:fld id="{EABE8AA6-12A8-4B45-AB18-A83908A3A2E6}" type="datetimeFigureOut">
               <a:rPr lang="es-ES" smtClean="0"/>
-              <a:t>30/01/2018</a:t>
+              <a:t>22/05/2019</a:t>
             </a:fld>
             <a:endParaRPr lang="es-ES"/>
           </a:p>
@@ -8290,7 +8286,7 @@
           <a:p>
             <a:fld id="{EABE8AA6-12A8-4B45-AB18-A83908A3A2E6}" type="datetimeFigureOut">
               <a:rPr lang="es-ES" smtClean="0"/>
-              <a:t>30/01/2018</a:t>
+              <a:t>22/05/2019</a:t>
             </a:fld>
             <a:endParaRPr lang="es-ES"/>
           </a:p>
@@ -8504,7 +8500,7 @@
           <a:p>
             <a:fld id="{5586B75A-687E-405C-8A0B-8D00578BA2C3}" type="datetime1">
               <a:rPr lang="en-US" smtClean="0"/>
-              <a:t>1/30/2018</a:t>
+              <a:t>5/22/2019</a:t>
             </a:fld>
             <a:endParaRPr lang="en-US"/>
           </a:p>
@@ -9034,7 +9030,7 @@
           <a:p>
             <a:fld id="{5586B75A-687E-405C-8A0B-8D00578BA2C3}" type="datetime1">
               <a:rPr lang="en-US" smtClean="0"/>
-              <a:t>1/30/2018</a:t>
+              <a:t>5/22/2019</a:t>
             </a:fld>
             <a:endParaRPr lang="en-US"/>
           </a:p>
@@ -9563,7 +9559,7 @@
           <a:p>
             <a:fld id="{5586B75A-687E-405C-8A0B-8D00578BA2C3}" type="datetime1">
               <a:rPr lang="en-US" smtClean="0"/>
-              <a:t>1/30/2018</a:t>
+              <a:t>5/22/2019</a:t>
             </a:fld>
             <a:endParaRPr lang="en-US"/>
           </a:p>
@@ -12219,7 +12215,7 @@
             </a:pPr>
             <a:r>
               <a:rPr lang="es-CR" sz="2400" dirty="0"/>
-              <a:t>2018</a:t>
+              <a:t>2019</a:t>
             </a:r>
           </a:p>
         </p:txBody>
